--- a/情報科学発展演習説明会資料20230331.pptx
+++ b/情報科学発展演習説明会資料20230331.pptx
@@ -203,7 +203,7 @@
           <a:p>
             <a:fld id="{C72656FD-7AA9-DA4A-BE1A-BFA3C4B74D40}" type="datetimeFigureOut">
               <a:rPr kumimoji="1" lang="ja-JP" altLang="en-US" smtClean="0"/>
-              <a:t>2023/3/13</a:t>
+              <a:t>2023/3/14</a:t>
             </a:fld>
             <a:endParaRPr kumimoji="1" lang="ja-JP" altLang="en-US"/>
           </a:p>
@@ -733,7 +733,7 @@
           <a:p>
             <a:fld id="{7B85C6DF-66CC-A140-960F-B804E8857BF8}" type="datetimeFigureOut">
               <a:rPr kumimoji="1" lang="ja-JP" altLang="en-US" smtClean="0"/>
-              <a:t>2023/3/13</a:t>
+              <a:t>2023/3/14</a:t>
             </a:fld>
             <a:endParaRPr kumimoji="1" lang="ja-JP" altLang="en-US"/>
           </a:p>
@@ -963,7 +963,7 @@
           <a:p>
             <a:fld id="{7B85C6DF-66CC-A140-960F-B804E8857BF8}" type="datetimeFigureOut">
               <a:rPr kumimoji="1" lang="ja-JP" altLang="en-US" smtClean="0"/>
-              <a:t>2023/3/13</a:t>
+              <a:t>2023/3/14</a:t>
             </a:fld>
             <a:endParaRPr kumimoji="1" lang="ja-JP" altLang="en-US"/>
           </a:p>
@@ -1203,7 +1203,7 @@
           <a:p>
             <a:fld id="{7B85C6DF-66CC-A140-960F-B804E8857BF8}" type="datetimeFigureOut">
               <a:rPr kumimoji="1" lang="ja-JP" altLang="en-US" smtClean="0"/>
-              <a:t>2023/3/13</a:t>
+              <a:t>2023/3/14</a:t>
             </a:fld>
             <a:endParaRPr kumimoji="1" lang="ja-JP" altLang="en-US"/>
           </a:p>
@@ -1433,7 +1433,7 @@
           <a:p>
             <a:fld id="{7B85C6DF-66CC-A140-960F-B804E8857BF8}" type="datetimeFigureOut">
               <a:rPr kumimoji="1" lang="ja-JP" altLang="en-US" smtClean="0"/>
-              <a:t>2023/3/13</a:t>
+              <a:t>2023/3/14</a:t>
             </a:fld>
             <a:endParaRPr kumimoji="1" lang="ja-JP" altLang="en-US"/>
           </a:p>
@@ -1708,7 +1708,7 @@
           <a:p>
             <a:fld id="{7B85C6DF-66CC-A140-960F-B804E8857BF8}" type="datetimeFigureOut">
               <a:rPr kumimoji="1" lang="ja-JP" altLang="en-US" smtClean="0"/>
-              <a:t>2023/3/13</a:t>
+              <a:t>2023/3/14</a:t>
             </a:fld>
             <a:endParaRPr kumimoji="1" lang="ja-JP" altLang="en-US"/>
           </a:p>
@@ -2037,7 +2037,7 @@
           <a:p>
             <a:fld id="{7B85C6DF-66CC-A140-960F-B804E8857BF8}" type="datetimeFigureOut">
               <a:rPr kumimoji="1" lang="ja-JP" altLang="en-US" smtClean="0"/>
-              <a:t>2023/3/13</a:t>
+              <a:t>2023/3/14</a:t>
             </a:fld>
             <a:endParaRPr kumimoji="1" lang="ja-JP" altLang="en-US"/>
           </a:p>
@@ -2513,7 +2513,7 @@
           <a:p>
             <a:fld id="{7B85C6DF-66CC-A140-960F-B804E8857BF8}" type="datetimeFigureOut">
               <a:rPr kumimoji="1" lang="ja-JP" altLang="en-US" smtClean="0"/>
-              <a:t>2023/3/13</a:t>
+              <a:t>2023/3/14</a:t>
             </a:fld>
             <a:endParaRPr kumimoji="1" lang="ja-JP" altLang="en-US"/>
           </a:p>
@@ -2654,7 +2654,7 @@
           <a:p>
             <a:fld id="{7B85C6DF-66CC-A140-960F-B804E8857BF8}" type="datetimeFigureOut">
               <a:rPr kumimoji="1" lang="ja-JP" altLang="en-US" smtClean="0"/>
-              <a:t>2023/3/13</a:t>
+              <a:t>2023/3/14</a:t>
             </a:fld>
             <a:endParaRPr kumimoji="1" lang="ja-JP" altLang="en-US"/>
           </a:p>
@@ -2767,7 +2767,7 @@
           <a:p>
             <a:fld id="{7B85C6DF-66CC-A140-960F-B804E8857BF8}" type="datetimeFigureOut">
               <a:rPr kumimoji="1" lang="ja-JP" altLang="en-US" smtClean="0"/>
-              <a:t>2023/3/13</a:t>
+              <a:t>2023/3/14</a:t>
             </a:fld>
             <a:endParaRPr kumimoji="1" lang="ja-JP" altLang="en-US"/>
           </a:p>
@@ -3110,7 +3110,7 @@
           <a:p>
             <a:fld id="{7B85C6DF-66CC-A140-960F-B804E8857BF8}" type="datetimeFigureOut">
               <a:rPr kumimoji="1" lang="ja-JP" altLang="en-US" smtClean="0"/>
-              <a:t>2023/3/13</a:t>
+              <a:t>2023/3/14</a:t>
             </a:fld>
             <a:endParaRPr kumimoji="1" lang="ja-JP" altLang="en-US"/>
           </a:p>
@@ -3398,7 +3398,7 @@
           <a:p>
             <a:fld id="{7B85C6DF-66CC-A140-960F-B804E8857BF8}" type="datetimeFigureOut">
               <a:rPr kumimoji="1" lang="ja-JP" altLang="en-US" smtClean="0"/>
-              <a:t>2023/3/13</a:t>
+              <a:t>2023/3/14</a:t>
             </a:fld>
             <a:endParaRPr kumimoji="1" lang="ja-JP" altLang="en-US"/>
           </a:p>
@@ -3671,7 +3671,7 @@
           <a:p>
             <a:fld id="{7B85C6DF-66CC-A140-960F-B804E8857BF8}" type="datetimeFigureOut">
               <a:rPr kumimoji="1" lang="ja-JP" altLang="en-US" smtClean="0"/>
-              <a:t>2023/3/13</a:t>
+              <a:t>2023/3/14</a:t>
             </a:fld>
             <a:endParaRPr kumimoji="1" lang="ja-JP" altLang="en-US"/>
           </a:p>
@@ -5028,7 +5028,7 @@
           <a:p>
             <a:r>
               <a:rPr lang="ja-JP" altLang="en-US"/>
-              <a:t>アプリケーション開発におけるデータベース設計およびその操作（桑原） </a:t>
+              <a:t>アプリケーション開発におけるデータベース設計（桑原） </a:t>
             </a:r>
             <a:endParaRPr lang="en-US" altLang="ja-JP" dirty="0"/>
           </a:p>

--- a/情報科学発展演習説明会資料20230331.pptx
+++ b/情報科学発展演習説明会資料20230331.pptx
@@ -203,7 +203,7 @@
           <a:p>
             <a:fld id="{C72656FD-7AA9-DA4A-BE1A-BFA3C4B74D40}" type="datetimeFigureOut">
               <a:rPr kumimoji="1" lang="ja-JP" altLang="en-US" smtClean="0"/>
-              <a:t>2023/3/14</a:t>
+              <a:t>2023/3/29</a:t>
             </a:fld>
             <a:endParaRPr kumimoji="1" lang="ja-JP" altLang="en-US"/>
           </a:p>
@@ -733,7 +733,7 @@
           <a:p>
             <a:fld id="{7B85C6DF-66CC-A140-960F-B804E8857BF8}" type="datetimeFigureOut">
               <a:rPr kumimoji="1" lang="ja-JP" altLang="en-US" smtClean="0"/>
-              <a:t>2023/3/14</a:t>
+              <a:t>2023/3/29</a:t>
             </a:fld>
             <a:endParaRPr kumimoji="1" lang="ja-JP" altLang="en-US"/>
           </a:p>
@@ -963,7 +963,7 @@
           <a:p>
             <a:fld id="{7B85C6DF-66CC-A140-960F-B804E8857BF8}" type="datetimeFigureOut">
               <a:rPr kumimoji="1" lang="ja-JP" altLang="en-US" smtClean="0"/>
-              <a:t>2023/3/14</a:t>
+              <a:t>2023/3/29</a:t>
             </a:fld>
             <a:endParaRPr kumimoji="1" lang="ja-JP" altLang="en-US"/>
           </a:p>
@@ -1203,7 +1203,7 @@
           <a:p>
             <a:fld id="{7B85C6DF-66CC-A140-960F-B804E8857BF8}" type="datetimeFigureOut">
               <a:rPr kumimoji="1" lang="ja-JP" altLang="en-US" smtClean="0"/>
-              <a:t>2023/3/14</a:t>
+              <a:t>2023/3/29</a:t>
             </a:fld>
             <a:endParaRPr kumimoji="1" lang="ja-JP" altLang="en-US"/>
           </a:p>
@@ -1433,7 +1433,7 @@
           <a:p>
             <a:fld id="{7B85C6DF-66CC-A140-960F-B804E8857BF8}" type="datetimeFigureOut">
               <a:rPr kumimoji="1" lang="ja-JP" altLang="en-US" smtClean="0"/>
-              <a:t>2023/3/14</a:t>
+              <a:t>2023/3/29</a:t>
             </a:fld>
             <a:endParaRPr kumimoji="1" lang="ja-JP" altLang="en-US"/>
           </a:p>
@@ -1708,7 +1708,7 @@
           <a:p>
             <a:fld id="{7B85C6DF-66CC-A140-960F-B804E8857BF8}" type="datetimeFigureOut">
               <a:rPr kumimoji="1" lang="ja-JP" altLang="en-US" smtClean="0"/>
-              <a:t>2023/3/14</a:t>
+              <a:t>2023/3/29</a:t>
             </a:fld>
             <a:endParaRPr kumimoji="1" lang="ja-JP" altLang="en-US"/>
           </a:p>
@@ -2037,7 +2037,7 @@
           <a:p>
             <a:fld id="{7B85C6DF-66CC-A140-960F-B804E8857BF8}" type="datetimeFigureOut">
               <a:rPr kumimoji="1" lang="ja-JP" altLang="en-US" smtClean="0"/>
-              <a:t>2023/3/14</a:t>
+              <a:t>2023/3/29</a:t>
             </a:fld>
             <a:endParaRPr kumimoji="1" lang="ja-JP" altLang="en-US"/>
           </a:p>
@@ -2513,7 +2513,7 @@
           <a:p>
             <a:fld id="{7B85C6DF-66CC-A140-960F-B804E8857BF8}" type="datetimeFigureOut">
               <a:rPr kumimoji="1" lang="ja-JP" altLang="en-US" smtClean="0"/>
-              <a:t>2023/3/14</a:t>
+              <a:t>2023/3/29</a:t>
             </a:fld>
             <a:endParaRPr kumimoji="1" lang="ja-JP" altLang="en-US"/>
           </a:p>
@@ -2654,7 +2654,7 @@
           <a:p>
             <a:fld id="{7B85C6DF-66CC-A140-960F-B804E8857BF8}" type="datetimeFigureOut">
               <a:rPr kumimoji="1" lang="ja-JP" altLang="en-US" smtClean="0"/>
-              <a:t>2023/3/14</a:t>
+              <a:t>2023/3/29</a:t>
             </a:fld>
             <a:endParaRPr kumimoji="1" lang="ja-JP" altLang="en-US"/>
           </a:p>
@@ -2767,7 +2767,7 @@
           <a:p>
             <a:fld id="{7B85C6DF-66CC-A140-960F-B804E8857BF8}" type="datetimeFigureOut">
               <a:rPr kumimoji="1" lang="ja-JP" altLang="en-US" smtClean="0"/>
-              <a:t>2023/3/14</a:t>
+              <a:t>2023/3/29</a:t>
             </a:fld>
             <a:endParaRPr kumimoji="1" lang="ja-JP" altLang="en-US"/>
           </a:p>
@@ -3110,7 +3110,7 @@
           <a:p>
             <a:fld id="{7B85C6DF-66CC-A140-960F-B804E8857BF8}" type="datetimeFigureOut">
               <a:rPr kumimoji="1" lang="ja-JP" altLang="en-US" smtClean="0"/>
-              <a:t>2023/3/14</a:t>
+              <a:t>2023/3/29</a:t>
             </a:fld>
             <a:endParaRPr kumimoji="1" lang="ja-JP" altLang="en-US"/>
           </a:p>
@@ -3398,7 +3398,7 @@
           <a:p>
             <a:fld id="{7B85C6DF-66CC-A140-960F-B804E8857BF8}" type="datetimeFigureOut">
               <a:rPr kumimoji="1" lang="ja-JP" altLang="en-US" smtClean="0"/>
-              <a:t>2023/3/14</a:t>
+              <a:t>2023/3/29</a:t>
             </a:fld>
             <a:endParaRPr kumimoji="1" lang="ja-JP" altLang="en-US"/>
           </a:p>
@@ -3671,7 +3671,7 @@
           <a:p>
             <a:fld id="{7B85C6DF-66CC-A140-960F-B804E8857BF8}" type="datetimeFigureOut">
               <a:rPr kumimoji="1" lang="ja-JP" altLang="en-US" smtClean="0"/>
-              <a:t>2023/3/14</a:t>
+              <a:t>2023/3/29</a:t>
             </a:fld>
             <a:endParaRPr kumimoji="1" lang="ja-JP" altLang="en-US"/>
           </a:p>
@@ -5021,7 +5021,7 @@
             <a:pPr algn="just"/>
             <a:r>
               <a:rPr lang="ja-JP" altLang="en-US"/>
-              <a:t>？？？？（木下）</a:t>
+              <a:t>定理の証明をコンピュータでチェックする（木下）</a:t>
             </a:r>
             <a:endParaRPr lang="en-US" altLang="ja-JP" dirty="0"/>
           </a:p>
@@ -5042,7 +5042,7 @@
           <a:p>
             <a:r>
               <a:rPr lang="ja-JP" altLang="en-US"/>
-              <a:t>？？？？（張） </a:t>
+              <a:t>ホロレンズを使った混合現実の応用（張） </a:t>
             </a:r>
             <a:endParaRPr lang="en-US" altLang="ja-JP" dirty="0"/>
           </a:p>

--- a/情報科学発展演習説明会資料20230331.pptx
+++ b/情報科学発展演習説明会資料20230331.pptx
@@ -203,7 +203,7 @@
           <a:p>
             <a:fld id="{C72656FD-7AA9-DA4A-BE1A-BFA3C4B74D40}" type="datetimeFigureOut">
               <a:rPr kumimoji="1" lang="ja-JP" altLang="en-US" smtClean="0"/>
-              <a:t>2023/3/29</a:t>
+              <a:t>2023/4/1</a:t>
             </a:fld>
             <a:endParaRPr kumimoji="1" lang="ja-JP" altLang="en-US"/>
           </a:p>
@@ -733,7 +733,7 @@
           <a:p>
             <a:fld id="{7B85C6DF-66CC-A140-960F-B804E8857BF8}" type="datetimeFigureOut">
               <a:rPr kumimoji="1" lang="ja-JP" altLang="en-US" smtClean="0"/>
-              <a:t>2023/3/29</a:t>
+              <a:t>2023/4/1</a:t>
             </a:fld>
             <a:endParaRPr kumimoji="1" lang="ja-JP" altLang="en-US"/>
           </a:p>
@@ -963,7 +963,7 @@
           <a:p>
             <a:fld id="{7B85C6DF-66CC-A140-960F-B804E8857BF8}" type="datetimeFigureOut">
               <a:rPr kumimoji="1" lang="ja-JP" altLang="en-US" smtClean="0"/>
-              <a:t>2023/3/29</a:t>
+              <a:t>2023/4/1</a:t>
             </a:fld>
             <a:endParaRPr kumimoji="1" lang="ja-JP" altLang="en-US"/>
           </a:p>
@@ -1203,7 +1203,7 @@
           <a:p>
             <a:fld id="{7B85C6DF-66CC-A140-960F-B804E8857BF8}" type="datetimeFigureOut">
               <a:rPr kumimoji="1" lang="ja-JP" altLang="en-US" smtClean="0"/>
-              <a:t>2023/3/29</a:t>
+              <a:t>2023/4/1</a:t>
             </a:fld>
             <a:endParaRPr kumimoji="1" lang="ja-JP" altLang="en-US"/>
           </a:p>
@@ -1433,7 +1433,7 @@
           <a:p>
             <a:fld id="{7B85C6DF-66CC-A140-960F-B804E8857BF8}" type="datetimeFigureOut">
               <a:rPr kumimoji="1" lang="ja-JP" altLang="en-US" smtClean="0"/>
-              <a:t>2023/3/29</a:t>
+              <a:t>2023/4/1</a:t>
             </a:fld>
             <a:endParaRPr kumimoji="1" lang="ja-JP" altLang="en-US"/>
           </a:p>
@@ -1708,7 +1708,7 @@
           <a:p>
             <a:fld id="{7B85C6DF-66CC-A140-960F-B804E8857BF8}" type="datetimeFigureOut">
               <a:rPr kumimoji="1" lang="ja-JP" altLang="en-US" smtClean="0"/>
-              <a:t>2023/3/29</a:t>
+              <a:t>2023/4/1</a:t>
             </a:fld>
             <a:endParaRPr kumimoji="1" lang="ja-JP" altLang="en-US"/>
           </a:p>
@@ -2037,7 +2037,7 @@
           <a:p>
             <a:fld id="{7B85C6DF-66CC-A140-960F-B804E8857BF8}" type="datetimeFigureOut">
               <a:rPr kumimoji="1" lang="ja-JP" altLang="en-US" smtClean="0"/>
-              <a:t>2023/3/29</a:t>
+              <a:t>2023/4/1</a:t>
             </a:fld>
             <a:endParaRPr kumimoji="1" lang="ja-JP" altLang="en-US"/>
           </a:p>
@@ -2513,7 +2513,7 @@
           <a:p>
             <a:fld id="{7B85C6DF-66CC-A140-960F-B804E8857BF8}" type="datetimeFigureOut">
               <a:rPr kumimoji="1" lang="ja-JP" altLang="en-US" smtClean="0"/>
-              <a:t>2023/3/29</a:t>
+              <a:t>2023/4/1</a:t>
             </a:fld>
             <a:endParaRPr kumimoji="1" lang="ja-JP" altLang="en-US"/>
           </a:p>
@@ -2654,7 +2654,7 @@
           <a:p>
             <a:fld id="{7B85C6DF-66CC-A140-960F-B804E8857BF8}" type="datetimeFigureOut">
               <a:rPr kumimoji="1" lang="ja-JP" altLang="en-US" smtClean="0"/>
-              <a:t>2023/3/29</a:t>
+              <a:t>2023/4/1</a:t>
             </a:fld>
             <a:endParaRPr kumimoji="1" lang="ja-JP" altLang="en-US"/>
           </a:p>
@@ -2767,7 +2767,7 @@
           <a:p>
             <a:fld id="{7B85C6DF-66CC-A140-960F-B804E8857BF8}" type="datetimeFigureOut">
               <a:rPr kumimoji="1" lang="ja-JP" altLang="en-US" smtClean="0"/>
-              <a:t>2023/3/29</a:t>
+              <a:t>2023/4/1</a:t>
             </a:fld>
             <a:endParaRPr kumimoji="1" lang="ja-JP" altLang="en-US"/>
           </a:p>
@@ -3110,7 +3110,7 @@
           <a:p>
             <a:fld id="{7B85C6DF-66CC-A140-960F-B804E8857BF8}" type="datetimeFigureOut">
               <a:rPr kumimoji="1" lang="ja-JP" altLang="en-US" smtClean="0"/>
-              <a:t>2023/3/29</a:t>
+              <a:t>2023/4/1</a:t>
             </a:fld>
             <a:endParaRPr kumimoji="1" lang="ja-JP" altLang="en-US"/>
           </a:p>
@@ -3398,7 +3398,7 @@
           <a:p>
             <a:fld id="{7B85C6DF-66CC-A140-960F-B804E8857BF8}" type="datetimeFigureOut">
               <a:rPr kumimoji="1" lang="ja-JP" altLang="en-US" smtClean="0"/>
-              <a:t>2023/3/29</a:t>
+              <a:t>2023/4/1</a:t>
             </a:fld>
             <a:endParaRPr kumimoji="1" lang="ja-JP" altLang="en-US"/>
           </a:p>
@@ -3671,7 +3671,7 @@
           <a:p>
             <a:fld id="{7B85C6DF-66CC-A140-960F-B804E8857BF8}" type="datetimeFigureOut">
               <a:rPr kumimoji="1" lang="ja-JP" altLang="en-US" smtClean="0"/>
-              <a:t>2023/3/29</a:t>
+              <a:t>2023/4/1</a:t>
             </a:fld>
             <a:endParaRPr kumimoji="1" lang="ja-JP" altLang="en-US"/>
           </a:p>
@@ -4570,9 +4570,26 @@
             <a:endParaRPr lang="en-US" altLang="ja-JP" dirty="0"/>
           </a:p>
           <a:p>
+            <a:pPr algn="just"/>
             <a:r>
               <a:rPr lang="ja-JP" altLang="en-US"/>
               <a:t>評価は</a:t>
+            </a:r>
+            <a:r>
+              <a:rPr lang="ja-JP" altLang="en-US" b="1" strike="sngStrike">
+                <a:solidFill>
+                  <a:srgbClr val="FF0000"/>
+                </a:solidFill>
+              </a:rPr>
+              <a:t>合・否</a:t>
+            </a:r>
+            <a:r>
+              <a:rPr lang="en-US" altLang="ja-JP" b="1" dirty="0">
+                <a:solidFill>
+                  <a:srgbClr val="FF0000"/>
+                </a:solidFill>
+              </a:rPr>
+              <a:t>100</a:t>
             </a:r>
             <a:r>
               <a:rPr lang="ja-JP" altLang="en-US" b="1">
@@ -4580,7 +4597,7 @@
                   <a:srgbClr val="FF0000"/>
                 </a:solidFill>
               </a:rPr>
-              <a:t>合・否</a:t>
+              <a:t>点満点</a:t>
             </a:r>
             <a:r>
               <a:rPr lang="ja-JP" altLang="en-US"/>
@@ -4746,7 +4763,7 @@
             <a:endParaRPr lang="en-US" altLang="ja-JP" dirty="0"/>
           </a:p>
           <a:p>
-            <a:pPr lvl="1"/>
+            <a:pPr lvl="1" algn="just"/>
             <a:r>
               <a:rPr lang="ja-JP" altLang="en-US"/>
               <a:t>今学期の履修単位数が規定通りであることを確認すること．</a:t>
